--- a/ppt 16-9/0810.谁与主同心.pptx
+++ b/ppt 16-9/0810.谁与主同心.pptx
@@ -129,7 +129,7 @@
           <p:cNvPr id="2" name="标题 1">
             <a:extLst>
               <a:ext uri="{FF2B5EF4-FFF2-40B4-BE49-F238E27FC236}">
-                <a16:creationId xmlns:a16="http://schemas.microsoft.com/office/drawing/2014/main" id="{6EAEF755-628A-E42A-C478-B92CC7EA3B35}"/>
+                <a16:creationId xmlns:a16="http://schemas.microsoft.com/office/drawing/2014/main" id="{E65A996A-09B2-7934-377E-1B8BBAB2C38D}"/>
               </a:ext>
             </a:extLst>
           </p:cNvPr>
@@ -166,7 +166,7 @@
           <p:cNvPr id="3" name="副标题 2">
             <a:extLst>
               <a:ext uri="{FF2B5EF4-FFF2-40B4-BE49-F238E27FC236}">
-                <a16:creationId xmlns:a16="http://schemas.microsoft.com/office/drawing/2014/main" id="{097388A7-DEE7-3673-CE9F-423F17D26AB7}"/>
+                <a16:creationId xmlns:a16="http://schemas.microsoft.com/office/drawing/2014/main" id="{019EFE0D-52D9-0343-1B4A-E1489F829DBA}"/>
               </a:ext>
             </a:extLst>
           </p:cNvPr>
@@ -236,7 +236,7 @@
           <p:cNvPr id="4" name="日期占位符 3">
             <a:extLst>
               <a:ext uri="{FF2B5EF4-FFF2-40B4-BE49-F238E27FC236}">
-                <a16:creationId xmlns:a16="http://schemas.microsoft.com/office/drawing/2014/main" id="{8FB67993-0228-9586-A4CC-02F6CED49606}"/>
+                <a16:creationId xmlns:a16="http://schemas.microsoft.com/office/drawing/2014/main" id="{A1B98D43-EA05-5650-A47E-614CD0622119}"/>
               </a:ext>
             </a:extLst>
           </p:cNvPr>
@@ -252,7 +252,7 @@
           <a:bodyPr/>
           <a:lstStyle/>
           <a:p>
-            <a:fld id="{F9B8CB69-5CD6-4D0C-B9AA-2CA730D5CDD8}" type="datetimeFigureOut">
+            <a:fld id="{F8E3D561-8300-4E05-9783-D59E0DE806CC}" type="datetimeFigureOut">
               <a:rPr lang="zh-CN" altLang="en-US" smtClean="0"/>
               <a:t>2024/3/10</a:t>
             </a:fld>
@@ -265,7 +265,7 @@
           <p:cNvPr id="5" name="页脚占位符 4">
             <a:extLst>
               <a:ext uri="{FF2B5EF4-FFF2-40B4-BE49-F238E27FC236}">
-                <a16:creationId xmlns:a16="http://schemas.microsoft.com/office/drawing/2014/main" id="{9CEB04F6-AB5B-7ABE-4A08-0964629109B0}"/>
+                <a16:creationId xmlns:a16="http://schemas.microsoft.com/office/drawing/2014/main" id="{6264DD2E-5D2D-DF85-BDAD-FF9D1641C416}"/>
               </a:ext>
             </a:extLst>
           </p:cNvPr>
@@ -290,7 +290,7 @@
           <p:cNvPr id="6" name="灯片编号占位符 5">
             <a:extLst>
               <a:ext uri="{FF2B5EF4-FFF2-40B4-BE49-F238E27FC236}">
-                <a16:creationId xmlns:a16="http://schemas.microsoft.com/office/drawing/2014/main" id="{E74CFC18-7D55-570B-AAC5-C851059AEA19}"/>
+                <a16:creationId xmlns:a16="http://schemas.microsoft.com/office/drawing/2014/main" id="{B70869ED-A052-7C09-FDD3-BE0EC4F09607}"/>
               </a:ext>
             </a:extLst>
           </p:cNvPr>
@@ -306,7 +306,7 @@
           <a:bodyPr/>
           <a:lstStyle/>
           <a:p>
-            <a:fld id="{8FB44F28-9A4E-4B5A-B94A-AAC6FBE7F153}" type="slidenum">
+            <a:fld id="{3019A5DA-EC15-4EEE-9AB5-0B3ADF1902DC}" type="slidenum">
               <a:rPr lang="zh-CN" altLang="en-US" smtClean="0"/>
               <a:t>‹#›</a:t>
             </a:fld>
@@ -317,7 +317,7 @@
     </p:spTree>
     <p:extLst>
       <p:ext uri="{BB962C8B-B14F-4D97-AF65-F5344CB8AC3E}">
-        <p14:creationId xmlns:p14="http://schemas.microsoft.com/office/powerpoint/2010/main" val="2841519245"/>
+        <p14:creationId xmlns:p14="http://schemas.microsoft.com/office/powerpoint/2010/main" val="895218783"/>
       </p:ext>
     </p:extLst>
   </p:cSld>
@@ -349,7 +349,7 @@
           <p:cNvPr id="2" name="标题 1">
             <a:extLst>
               <a:ext uri="{FF2B5EF4-FFF2-40B4-BE49-F238E27FC236}">
-                <a16:creationId xmlns:a16="http://schemas.microsoft.com/office/drawing/2014/main" id="{70631288-A97D-0B41-E299-16CAB63D1417}"/>
+                <a16:creationId xmlns:a16="http://schemas.microsoft.com/office/drawing/2014/main" id="{FE8BD27E-9271-9C3D-35CD-790D1AD1AA9B}"/>
               </a:ext>
             </a:extLst>
           </p:cNvPr>
@@ -377,7 +377,7 @@
           <p:cNvPr id="3" name="竖排文字占位符 2">
             <a:extLst>
               <a:ext uri="{FF2B5EF4-FFF2-40B4-BE49-F238E27FC236}">
-                <a16:creationId xmlns:a16="http://schemas.microsoft.com/office/drawing/2014/main" id="{5F5E45B0-9616-C821-129A-5695B75E901B}"/>
+                <a16:creationId xmlns:a16="http://schemas.microsoft.com/office/drawing/2014/main" id="{3150BF58-D582-95D9-7E91-A4E334EE4840}"/>
               </a:ext>
             </a:extLst>
           </p:cNvPr>
@@ -434,7 +434,7 @@
           <p:cNvPr id="4" name="日期占位符 3">
             <a:extLst>
               <a:ext uri="{FF2B5EF4-FFF2-40B4-BE49-F238E27FC236}">
-                <a16:creationId xmlns:a16="http://schemas.microsoft.com/office/drawing/2014/main" id="{60E9F208-CBAC-97D9-8AD9-7C9C3CB47DF9}"/>
+                <a16:creationId xmlns:a16="http://schemas.microsoft.com/office/drawing/2014/main" id="{DBE29585-4763-B27F-87E9-2EDA7EE1F754}"/>
               </a:ext>
             </a:extLst>
           </p:cNvPr>
@@ -450,7 +450,7 @@
           <a:bodyPr/>
           <a:lstStyle/>
           <a:p>
-            <a:fld id="{F9B8CB69-5CD6-4D0C-B9AA-2CA730D5CDD8}" type="datetimeFigureOut">
+            <a:fld id="{F8E3D561-8300-4E05-9783-D59E0DE806CC}" type="datetimeFigureOut">
               <a:rPr lang="zh-CN" altLang="en-US" smtClean="0"/>
               <a:t>2024/3/10</a:t>
             </a:fld>
@@ -463,7 +463,7 @@
           <p:cNvPr id="5" name="页脚占位符 4">
             <a:extLst>
               <a:ext uri="{FF2B5EF4-FFF2-40B4-BE49-F238E27FC236}">
-                <a16:creationId xmlns:a16="http://schemas.microsoft.com/office/drawing/2014/main" id="{723C8D59-B220-D4EB-5198-692B64E4FB5E}"/>
+                <a16:creationId xmlns:a16="http://schemas.microsoft.com/office/drawing/2014/main" id="{BB6DFAF1-53FA-357A-7F62-FDBCE9A624E8}"/>
               </a:ext>
             </a:extLst>
           </p:cNvPr>
@@ -488,7 +488,7 @@
           <p:cNvPr id="6" name="灯片编号占位符 5">
             <a:extLst>
               <a:ext uri="{FF2B5EF4-FFF2-40B4-BE49-F238E27FC236}">
-                <a16:creationId xmlns:a16="http://schemas.microsoft.com/office/drawing/2014/main" id="{F40DD2EB-A8EF-515B-BD34-466601C41FF1}"/>
+                <a16:creationId xmlns:a16="http://schemas.microsoft.com/office/drawing/2014/main" id="{8D5BABBB-4FDA-63BF-C927-87CF46851DC4}"/>
               </a:ext>
             </a:extLst>
           </p:cNvPr>
@@ -504,7 +504,7 @@
           <a:bodyPr/>
           <a:lstStyle/>
           <a:p>
-            <a:fld id="{8FB44F28-9A4E-4B5A-B94A-AAC6FBE7F153}" type="slidenum">
+            <a:fld id="{3019A5DA-EC15-4EEE-9AB5-0B3ADF1902DC}" type="slidenum">
               <a:rPr lang="zh-CN" altLang="en-US" smtClean="0"/>
               <a:t>‹#›</a:t>
             </a:fld>
@@ -515,7 +515,7 @@
     </p:spTree>
     <p:extLst>
       <p:ext uri="{BB962C8B-B14F-4D97-AF65-F5344CB8AC3E}">
-        <p14:creationId xmlns:p14="http://schemas.microsoft.com/office/powerpoint/2010/main" val="1343992422"/>
+        <p14:creationId xmlns:p14="http://schemas.microsoft.com/office/powerpoint/2010/main" val="2691711334"/>
       </p:ext>
     </p:extLst>
   </p:cSld>
@@ -547,7 +547,7 @@
           <p:cNvPr id="2" name="竖排标题 1">
             <a:extLst>
               <a:ext uri="{FF2B5EF4-FFF2-40B4-BE49-F238E27FC236}">
-                <a16:creationId xmlns:a16="http://schemas.microsoft.com/office/drawing/2014/main" id="{CEF9BE1D-E6C3-2CE4-6D21-F769F6C35FE0}"/>
+                <a16:creationId xmlns:a16="http://schemas.microsoft.com/office/drawing/2014/main" id="{3A7C58C2-1583-4748-ABCA-34C56AF4D642}"/>
               </a:ext>
             </a:extLst>
           </p:cNvPr>
@@ -580,7 +580,7 @@
           <p:cNvPr id="3" name="竖排文字占位符 2">
             <a:extLst>
               <a:ext uri="{FF2B5EF4-FFF2-40B4-BE49-F238E27FC236}">
-                <a16:creationId xmlns:a16="http://schemas.microsoft.com/office/drawing/2014/main" id="{11A636C2-230B-06C8-3C04-D4D3A72B09F2}"/>
+                <a16:creationId xmlns:a16="http://schemas.microsoft.com/office/drawing/2014/main" id="{5CAF1924-448B-18FB-2D07-7312A628E15D}"/>
               </a:ext>
             </a:extLst>
           </p:cNvPr>
@@ -642,7 +642,7 @@
           <p:cNvPr id="4" name="日期占位符 3">
             <a:extLst>
               <a:ext uri="{FF2B5EF4-FFF2-40B4-BE49-F238E27FC236}">
-                <a16:creationId xmlns:a16="http://schemas.microsoft.com/office/drawing/2014/main" id="{39E15D66-4F88-D080-F4E9-31B16229F191}"/>
+                <a16:creationId xmlns:a16="http://schemas.microsoft.com/office/drawing/2014/main" id="{77F6B608-3561-9F8A-E382-237C416822F6}"/>
               </a:ext>
             </a:extLst>
           </p:cNvPr>
@@ -658,7 +658,7 @@
           <a:bodyPr/>
           <a:lstStyle/>
           <a:p>
-            <a:fld id="{F9B8CB69-5CD6-4D0C-B9AA-2CA730D5CDD8}" type="datetimeFigureOut">
+            <a:fld id="{F8E3D561-8300-4E05-9783-D59E0DE806CC}" type="datetimeFigureOut">
               <a:rPr lang="zh-CN" altLang="en-US" smtClean="0"/>
               <a:t>2024/3/10</a:t>
             </a:fld>
@@ -671,7 +671,7 @@
           <p:cNvPr id="5" name="页脚占位符 4">
             <a:extLst>
               <a:ext uri="{FF2B5EF4-FFF2-40B4-BE49-F238E27FC236}">
-                <a16:creationId xmlns:a16="http://schemas.microsoft.com/office/drawing/2014/main" id="{13907742-30BD-7EEF-F94A-FDEB2102A407}"/>
+                <a16:creationId xmlns:a16="http://schemas.microsoft.com/office/drawing/2014/main" id="{FFE64985-B81B-C1FA-7F99-87E0F014E688}"/>
               </a:ext>
             </a:extLst>
           </p:cNvPr>
@@ -696,7 +696,7 @@
           <p:cNvPr id="6" name="灯片编号占位符 5">
             <a:extLst>
               <a:ext uri="{FF2B5EF4-FFF2-40B4-BE49-F238E27FC236}">
-                <a16:creationId xmlns:a16="http://schemas.microsoft.com/office/drawing/2014/main" id="{F46CBF0F-08DF-0085-71BF-C0B8871C3D2E}"/>
+                <a16:creationId xmlns:a16="http://schemas.microsoft.com/office/drawing/2014/main" id="{E7D57BA7-6A94-D5AE-4FBA-B0DE0AFEBB42}"/>
               </a:ext>
             </a:extLst>
           </p:cNvPr>
@@ -712,7 +712,7 @@
           <a:bodyPr/>
           <a:lstStyle/>
           <a:p>
-            <a:fld id="{8FB44F28-9A4E-4B5A-B94A-AAC6FBE7F153}" type="slidenum">
+            <a:fld id="{3019A5DA-EC15-4EEE-9AB5-0B3ADF1902DC}" type="slidenum">
               <a:rPr lang="zh-CN" altLang="en-US" smtClean="0"/>
               <a:t>‹#›</a:t>
             </a:fld>
@@ -723,7 +723,7 @@
     </p:spTree>
     <p:extLst>
       <p:ext uri="{BB962C8B-B14F-4D97-AF65-F5344CB8AC3E}">
-        <p14:creationId xmlns:p14="http://schemas.microsoft.com/office/powerpoint/2010/main" val="566817472"/>
+        <p14:creationId xmlns:p14="http://schemas.microsoft.com/office/powerpoint/2010/main" val="1743022968"/>
       </p:ext>
     </p:extLst>
   </p:cSld>
@@ -755,7 +755,7 @@
           <p:cNvPr id="2" name="标题 1">
             <a:extLst>
               <a:ext uri="{FF2B5EF4-FFF2-40B4-BE49-F238E27FC236}">
-                <a16:creationId xmlns:a16="http://schemas.microsoft.com/office/drawing/2014/main" id="{5C5E313C-E2E3-8E7D-B1FC-1F44A02498C4}"/>
+                <a16:creationId xmlns:a16="http://schemas.microsoft.com/office/drawing/2014/main" id="{DE9F69C0-E617-0652-E391-45BEA82575FE}"/>
               </a:ext>
             </a:extLst>
           </p:cNvPr>
@@ -783,7 +783,7 @@
           <p:cNvPr id="3" name="内容占位符 2">
             <a:extLst>
               <a:ext uri="{FF2B5EF4-FFF2-40B4-BE49-F238E27FC236}">
-                <a16:creationId xmlns:a16="http://schemas.microsoft.com/office/drawing/2014/main" id="{50D741CB-E88A-61B8-9CAC-971D43EF185D}"/>
+                <a16:creationId xmlns:a16="http://schemas.microsoft.com/office/drawing/2014/main" id="{FD1095EE-B1D8-2A23-8B6B-DA16407163A0}"/>
               </a:ext>
             </a:extLst>
           </p:cNvPr>
@@ -840,7 +840,7 @@
           <p:cNvPr id="4" name="日期占位符 3">
             <a:extLst>
               <a:ext uri="{FF2B5EF4-FFF2-40B4-BE49-F238E27FC236}">
-                <a16:creationId xmlns:a16="http://schemas.microsoft.com/office/drawing/2014/main" id="{AAD9E82D-D535-1C5C-3997-EBAEA3F9C2BA}"/>
+                <a16:creationId xmlns:a16="http://schemas.microsoft.com/office/drawing/2014/main" id="{EF28F8D4-C5C4-A352-943B-1AA7A6228C5C}"/>
               </a:ext>
             </a:extLst>
           </p:cNvPr>
@@ -856,7 +856,7 @@
           <a:bodyPr/>
           <a:lstStyle/>
           <a:p>
-            <a:fld id="{F9B8CB69-5CD6-4D0C-B9AA-2CA730D5CDD8}" type="datetimeFigureOut">
+            <a:fld id="{F8E3D561-8300-4E05-9783-D59E0DE806CC}" type="datetimeFigureOut">
               <a:rPr lang="zh-CN" altLang="en-US" smtClean="0"/>
               <a:t>2024/3/10</a:t>
             </a:fld>
@@ -869,7 +869,7 @@
           <p:cNvPr id="5" name="页脚占位符 4">
             <a:extLst>
               <a:ext uri="{FF2B5EF4-FFF2-40B4-BE49-F238E27FC236}">
-                <a16:creationId xmlns:a16="http://schemas.microsoft.com/office/drawing/2014/main" id="{D6BB221B-ACE9-A84F-C896-808610959694}"/>
+                <a16:creationId xmlns:a16="http://schemas.microsoft.com/office/drawing/2014/main" id="{9174BB66-6C6C-0EC0-9BBB-F17C5BE8E115}"/>
               </a:ext>
             </a:extLst>
           </p:cNvPr>
@@ -894,7 +894,7 @@
           <p:cNvPr id="6" name="灯片编号占位符 5">
             <a:extLst>
               <a:ext uri="{FF2B5EF4-FFF2-40B4-BE49-F238E27FC236}">
-                <a16:creationId xmlns:a16="http://schemas.microsoft.com/office/drawing/2014/main" id="{D39DCFC3-5E11-D03D-75C5-82A504A6295A}"/>
+                <a16:creationId xmlns:a16="http://schemas.microsoft.com/office/drawing/2014/main" id="{D9EC5390-719E-6A39-385B-B1EA86FD7C1D}"/>
               </a:ext>
             </a:extLst>
           </p:cNvPr>
@@ -910,7 +910,7 @@
           <a:bodyPr/>
           <a:lstStyle/>
           <a:p>
-            <a:fld id="{8FB44F28-9A4E-4B5A-B94A-AAC6FBE7F153}" type="slidenum">
+            <a:fld id="{3019A5DA-EC15-4EEE-9AB5-0B3ADF1902DC}" type="slidenum">
               <a:rPr lang="zh-CN" altLang="en-US" smtClean="0"/>
               <a:t>‹#›</a:t>
             </a:fld>
@@ -921,7 +921,7 @@
     </p:spTree>
     <p:extLst>
       <p:ext uri="{BB962C8B-B14F-4D97-AF65-F5344CB8AC3E}">
-        <p14:creationId xmlns:p14="http://schemas.microsoft.com/office/powerpoint/2010/main" val="1623019820"/>
+        <p14:creationId xmlns:p14="http://schemas.microsoft.com/office/powerpoint/2010/main" val="1758400751"/>
       </p:ext>
     </p:extLst>
   </p:cSld>
@@ -953,7 +953,7 @@
           <p:cNvPr id="2" name="标题 1">
             <a:extLst>
               <a:ext uri="{FF2B5EF4-FFF2-40B4-BE49-F238E27FC236}">
-                <a16:creationId xmlns:a16="http://schemas.microsoft.com/office/drawing/2014/main" id="{4DBA85CB-1EF6-93D3-9EFF-CCD670DC01BC}"/>
+                <a16:creationId xmlns:a16="http://schemas.microsoft.com/office/drawing/2014/main" id="{16D9169C-54B0-A0CA-805D-B3805619539A}"/>
               </a:ext>
             </a:extLst>
           </p:cNvPr>
@@ -990,7 +990,7 @@
           <p:cNvPr id="3" name="文本占位符 2">
             <a:extLst>
               <a:ext uri="{FF2B5EF4-FFF2-40B4-BE49-F238E27FC236}">
-                <a16:creationId xmlns:a16="http://schemas.microsoft.com/office/drawing/2014/main" id="{0A6CBDE0-BF7E-3D24-9A46-DE8DD85782A8}"/>
+                <a16:creationId xmlns:a16="http://schemas.microsoft.com/office/drawing/2014/main" id="{C1757BBB-1728-9678-CB90-5B181C5D5DA0}"/>
               </a:ext>
             </a:extLst>
           </p:cNvPr>
@@ -1115,7 +1115,7 @@
           <p:cNvPr id="4" name="日期占位符 3">
             <a:extLst>
               <a:ext uri="{FF2B5EF4-FFF2-40B4-BE49-F238E27FC236}">
-                <a16:creationId xmlns:a16="http://schemas.microsoft.com/office/drawing/2014/main" id="{F0B47FE6-AE6F-F129-A1CD-41593210D3ED}"/>
+                <a16:creationId xmlns:a16="http://schemas.microsoft.com/office/drawing/2014/main" id="{0853D410-39AB-8F3A-35D4-13ED0649FF8E}"/>
               </a:ext>
             </a:extLst>
           </p:cNvPr>
@@ -1131,7 +1131,7 @@
           <a:bodyPr/>
           <a:lstStyle/>
           <a:p>
-            <a:fld id="{F9B8CB69-5CD6-4D0C-B9AA-2CA730D5CDD8}" type="datetimeFigureOut">
+            <a:fld id="{F8E3D561-8300-4E05-9783-D59E0DE806CC}" type="datetimeFigureOut">
               <a:rPr lang="zh-CN" altLang="en-US" smtClean="0"/>
               <a:t>2024/3/10</a:t>
             </a:fld>
@@ -1144,7 +1144,7 @@
           <p:cNvPr id="5" name="页脚占位符 4">
             <a:extLst>
               <a:ext uri="{FF2B5EF4-FFF2-40B4-BE49-F238E27FC236}">
-                <a16:creationId xmlns:a16="http://schemas.microsoft.com/office/drawing/2014/main" id="{4A1571AD-DBE6-D35F-7D0A-28AE8CD458D5}"/>
+                <a16:creationId xmlns:a16="http://schemas.microsoft.com/office/drawing/2014/main" id="{36A3C224-4FF4-9FA8-ACCE-FA1BA4CFD130}"/>
               </a:ext>
             </a:extLst>
           </p:cNvPr>
@@ -1169,7 +1169,7 @@
           <p:cNvPr id="6" name="灯片编号占位符 5">
             <a:extLst>
               <a:ext uri="{FF2B5EF4-FFF2-40B4-BE49-F238E27FC236}">
-                <a16:creationId xmlns:a16="http://schemas.microsoft.com/office/drawing/2014/main" id="{8F25C828-D537-6D90-D689-447C0E3E9FF9}"/>
+                <a16:creationId xmlns:a16="http://schemas.microsoft.com/office/drawing/2014/main" id="{3D5467D2-64F5-D579-64EE-EEC9322B7137}"/>
               </a:ext>
             </a:extLst>
           </p:cNvPr>
@@ -1185,7 +1185,7 @@
           <a:bodyPr/>
           <a:lstStyle/>
           <a:p>
-            <a:fld id="{8FB44F28-9A4E-4B5A-B94A-AAC6FBE7F153}" type="slidenum">
+            <a:fld id="{3019A5DA-EC15-4EEE-9AB5-0B3ADF1902DC}" type="slidenum">
               <a:rPr lang="zh-CN" altLang="en-US" smtClean="0"/>
               <a:t>‹#›</a:t>
             </a:fld>
@@ -1196,7 +1196,7 @@
     </p:spTree>
     <p:extLst>
       <p:ext uri="{BB962C8B-B14F-4D97-AF65-F5344CB8AC3E}">
-        <p14:creationId xmlns:p14="http://schemas.microsoft.com/office/powerpoint/2010/main" val="1088618524"/>
+        <p14:creationId xmlns:p14="http://schemas.microsoft.com/office/powerpoint/2010/main" val="1249882498"/>
       </p:ext>
     </p:extLst>
   </p:cSld>
@@ -1228,7 +1228,7 @@
           <p:cNvPr id="2" name="标题 1">
             <a:extLst>
               <a:ext uri="{FF2B5EF4-FFF2-40B4-BE49-F238E27FC236}">
-                <a16:creationId xmlns:a16="http://schemas.microsoft.com/office/drawing/2014/main" id="{3966EEFF-1AE4-F2F8-E3D7-C9A012F91F58}"/>
+                <a16:creationId xmlns:a16="http://schemas.microsoft.com/office/drawing/2014/main" id="{FDB28192-3CC0-D46D-AC91-9F11A5D5FC8B}"/>
               </a:ext>
             </a:extLst>
           </p:cNvPr>
@@ -1256,7 +1256,7 @@
           <p:cNvPr id="3" name="内容占位符 2">
             <a:extLst>
               <a:ext uri="{FF2B5EF4-FFF2-40B4-BE49-F238E27FC236}">
-                <a16:creationId xmlns:a16="http://schemas.microsoft.com/office/drawing/2014/main" id="{B7DE9F71-AB3B-BC07-5835-7BA6730A678E}"/>
+                <a16:creationId xmlns:a16="http://schemas.microsoft.com/office/drawing/2014/main" id="{8C3C0F67-7E00-154C-5DCD-197C2BF73264}"/>
               </a:ext>
             </a:extLst>
           </p:cNvPr>
@@ -1318,7 +1318,7 @@
           <p:cNvPr id="4" name="内容占位符 3">
             <a:extLst>
               <a:ext uri="{FF2B5EF4-FFF2-40B4-BE49-F238E27FC236}">
-                <a16:creationId xmlns:a16="http://schemas.microsoft.com/office/drawing/2014/main" id="{EA42EE53-4135-8EDF-FF4A-57B7CC4AFE3B}"/>
+                <a16:creationId xmlns:a16="http://schemas.microsoft.com/office/drawing/2014/main" id="{0C3A2383-40D8-8C11-6ACA-A3D733547954}"/>
               </a:ext>
             </a:extLst>
           </p:cNvPr>
@@ -1380,7 +1380,7 @@
           <p:cNvPr id="5" name="日期占位符 4">
             <a:extLst>
               <a:ext uri="{FF2B5EF4-FFF2-40B4-BE49-F238E27FC236}">
-                <a16:creationId xmlns:a16="http://schemas.microsoft.com/office/drawing/2014/main" id="{372F9C91-1295-AEBD-8B5D-E631947AE276}"/>
+                <a16:creationId xmlns:a16="http://schemas.microsoft.com/office/drawing/2014/main" id="{A84DECA0-2F73-6192-FE19-8BCB6E522B78}"/>
               </a:ext>
             </a:extLst>
           </p:cNvPr>
@@ -1396,7 +1396,7 @@
           <a:bodyPr/>
           <a:lstStyle/>
           <a:p>
-            <a:fld id="{F9B8CB69-5CD6-4D0C-B9AA-2CA730D5CDD8}" type="datetimeFigureOut">
+            <a:fld id="{F8E3D561-8300-4E05-9783-D59E0DE806CC}" type="datetimeFigureOut">
               <a:rPr lang="zh-CN" altLang="en-US" smtClean="0"/>
               <a:t>2024/3/10</a:t>
             </a:fld>
@@ -1409,7 +1409,7 @@
           <p:cNvPr id="6" name="页脚占位符 5">
             <a:extLst>
               <a:ext uri="{FF2B5EF4-FFF2-40B4-BE49-F238E27FC236}">
-                <a16:creationId xmlns:a16="http://schemas.microsoft.com/office/drawing/2014/main" id="{1C931C63-0CA5-E022-3D2C-234718F21C15}"/>
+                <a16:creationId xmlns:a16="http://schemas.microsoft.com/office/drawing/2014/main" id="{FF842EAE-31E9-B2B9-E7B3-E5FE4D146B9A}"/>
               </a:ext>
             </a:extLst>
           </p:cNvPr>
@@ -1434,7 +1434,7 @@
           <p:cNvPr id="7" name="灯片编号占位符 6">
             <a:extLst>
               <a:ext uri="{FF2B5EF4-FFF2-40B4-BE49-F238E27FC236}">
-                <a16:creationId xmlns:a16="http://schemas.microsoft.com/office/drawing/2014/main" id="{5FFC2F9D-C889-F590-A0BA-265D443CC646}"/>
+                <a16:creationId xmlns:a16="http://schemas.microsoft.com/office/drawing/2014/main" id="{DED2D427-3F48-2101-A996-ED9F64FBCE79}"/>
               </a:ext>
             </a:extLst>
           </p:cNvPr>
@@ -1450,7 +1450,7 @@
           <a:bodyPr/>
           <a:lstStyle/>
           <a:p>
-            <a:fld id="{8FB44F28-9A4E-4B5A-B94A-AAC6FBE7F153}" type="slidenum">
+            <a:fld id="{3019A5DA-EC15-4EEE-9AB5-0B3ADF1902DC}" type="slidenum">
               <a:rPr lang="zh-CN" altLang="en-US" smtClean="0"/>
               <a:t>‹#›</a:t>
             </a:fld>
@@ -1461,7 +1461,7 @@
     </p:spTree>
     <p:extLst>
       <p:ext uri="{BB962C8B-B14F-4D97-AF65-F5344CB8AC3E}">
-        <p14:creationId xmlns:p14="http://schemas.microsoft.com/office/powerpoint/2010/main" val="3387052068"/>
+        <p14:creationId xmlns:p14="http://schemas.microsoft.com/office/powerpoint/2010/main" val="3229506508"/>
       </p:ext>
     </p:extLst>
   </p:cSld>
@@ -1493,7 +1493,7 @@
           <p:cNvPr id="2" name="标题 1">
             <a:extLst>
               <a:ext uri="{FF2B5EF4-FFF2-40B4-BE49-F238E27FC236}">
-                <a16:creationId xmlns:a16="http://schemas.microsoft.com/office/drawing/2014/main" id="{7762CFA1-21A0-2231-0E7F-2864170F2C65}"/>
+                <a16:creationId xmlns:a16="http://schemas.microsoft.com/office/drawing/2014/main" id="{C993C7AC-EFC7-5A48-EE41-B949B9AB6638}"/>
               </a:ext>
             </a:extLst>
           </p:cNvPr>
@@ -1526,7 +1526,7 @@
           <p:cNvPr id="3" name="文本占位符 2">
             <a:extLst>
               <a:ext uri="{FF2B5EF4-FFF2-40B4-BE49-F238E27FC236}">
-                <a16:creationId xmlns:a16="http://schemas.microsoft.com/office/drawing/2014/main" id="{FE2F6C8D-9658-4C64-70C0-01287B91C09F}"/>
+                <a16:creationId xmlns:a16="http://schemas.microsoft.com/office/drawing/2014/main" id="{B429B25A-1BB7-4F4E-795E-B296504CB99F}"/>
               </a:ext>
             </a:extLst>
           </p:cNvPr>
@@ -1597,7 +1597,7 @@
           <p:cNvPr id="4" name="内容占位符 3">
             <a:extLst>
               <a:ext uri="{FF2B5EF4-FFF2-40B4-BE49-F238E27FC236}">
-                <a16:creationId xmlns:a16="http://schemas.microsoft.com/office/drawing/2014/main" id="{77773225-21D7-920B-43EB-83CAE3B9E85F}"/>
+                <a16:creationId xmlns:a16="http://schemas.microsoft.com/office/drawing/2014/main" id="{A94858E1-78D8-0698-825A-1492DAD725ED}"/>
               </a:ext>
             </a:extLst>
           </p:cNvPr>
@@ -1659,7 +1659,7 @@
           <p:cNvPr id="5" name="文本占位符 4">
             <a:extLst>
               <a:ext uri="{FF2B5EF4-FFF2-40B4-BE49-F238E27FC236}">
-                <a16:creationId xmlns:a16="http://schemas.microsoft.com/office/drawing/2014/main" id="{E06F2E1B-B9DD-84AA-0EF2-0D7AEE43738E}"/>
+                <a16:creationId xmlns:a16="http://schemas.microsoft.com/office/drawing/2014/main" id="{F1D2B40D-D44A-EA42-8A7C-ACE4BC4B8539}"/>
               </a:ext>
             </a:extLst>
           </p:cNvPr>
@@ -1730,7 +1730,7 @@
           <p:cNvPr id="6" name="内容占位符 5">
             <a:extLst>
               <a:ext uri="{FF2B5EF4-FFF2-40B4-BE49-F238E27FC236}">
-                <a16:creationId xmlns:a16="http://schemas.microsoft.com/office/drawing/2014/main" id="{E097DC72-75FF-0D08-D44E-BE173F6AB7BC}"/>
+                <a16:creationId xmlns:a16="http://schemas.microsoft.com/office/drawing/2014/main" id="{81B6142C-F6EC-BE81-2ABB-F72BD236D4FF}"/>
               </a:ext>
             </a:extLst>
           </p:cNvPr>
@@ -1792,7 +1792,7 @@
           <p:cNvPr id="7" name="日期占位符 6">
             <a:extLst>
               <a:ext uri="{FF2B5EF4-FFF2-40B4-BE49-F238E27FC236}">
-                <a16:creationId xmlns:a16="http://schemas.microsoft.com/office/drawing/2014/main" id="{3690796E-7A9E-26AF-3B1E-364FAE356147}"/>
+                <a16:creationId xmlns:a16="http://schemas.microsoft.com/office/drawing/2014/main" id="{CAC02BE7-0CD9-B738-CA60-F55949CF6618}"/>
               </a:ext>
             </a:extLst>
           </p:cNvPr>
@@ -1808,7 +1808,7 @@
           <a:bodyPr/>
           <a:lstStyle/>
           <a:p>
-            <a:fld id="{F9B8CB69-5CD6-4D0C-B9AA-2CA730D5CDD8}" type="datetimeFigureOut">
+            <a:fld id="{F8E3D561-8300-4E05-9783-D59E0DE806CC}" type="datetimeFigureOut">
               <a:rPr lang="zh-CN" altLang="en-US" smtClean="0"/>
               <a:t>2024/3/10</a:t>
             </a:fld>
@@ -1821,7 +1821,7 @@
           <p:cNvPr id="8" name="页脚占位符 7">
             <a:extLst>
               <a:ext uri="{FF2B5EF4-FFF2-40B4-BE49-F238E27FC236}">
-                <a16:creationId xmlns:a16="http://schemas.microsoft.com/office/drawing/2014/main" id="{DCF8933B-2021-B423-6D62-4E9DC39A87B7}"/>
+                <a16:creationId xmlns:a16="http://schemas.microsoft.com/office/drawing/2014/main" id="{6F180670-5469-64BE-71A3-3C000C5CB927}"/>
               </a:ext>
             </a:extLst>
           </p:cNvPr>
@@ -1846,7 +1846,7 @@
           <p:cNvPr id="9" name="灯片编号占位符 8">
             <a:extLst>
               <a:ext uri="{FF2B5EF4-FFF2-40B4-BE49-F238E27FC236}">
-                <a16:creationId xmlns:a16="http://schemas.microsoft.com/office/drawing/2014/main" id="{16747948-931D-0EB5-998C-E235D5EDC8F5}"/>
+                <a16:creationId xmlns:a16="http://schemas.microsoft.com/office/drawing/2014/main" id="{F1E5C6AE-C388-368B-28A7-417634C7DEDD}"/>
               </a:ext>
             </a:extLst>
           </p:cNvPr>
@@ -1862,7 +1862,7 @@
           <a:bodyPr/>
           <a:lstStyle/>
           <a:p>
-            <a:fld id="{8FB44F28-9A4E-4B5A-B94A-AAC6FBE7F153}" type="slidenum">
+            <a:fld id="{3019A5DA-EC15-4EEE-9AB5-0B3ADF1902DC}" type="slidenum">
               <a:rPr lang="zh-CN" altLang="en-US" smtClean="0"/>
               <a:t>‹#›</a:t>
             </a:fld>
@@ -1873,7 +1873,7 @@
     </p:spTree>
     <p:extLst>
       <p:ext uri="{BB962C8B-B14F-4D97-AF65-F5344CB8AC3E}">
-        <p14:creationId xmlns:p14="http://schemas.microsoft.com/office/powerpoint/2010/main" val="2728753416"/>
+        <p14:creationId xmlns:p14="http://schemas.microsoft.com/office/powerpoint/2010/main" val="2695551264"/>
       </p:ext>
     </p:extLst>
   </p:cSld>
@@ -1905,7 +1905,7 @@
           <p:cNvPr id="2" name="标题 1">
             <a:extLst>
               <a:ext uri="{FF2B5EF4-FFF2-40B4-BE49-F238E27FC236}">
-                <a16:creationId xmlns:a16="http://schemas.microsoft.com/office/drawing/2014/main" id="{DC5D27C6-6961-B04B-838A-6DA4D1660794}"/>
+                <a16:creationId xmlns:a16="http://schemas.microsoft.com/office/drawing/2014/main" id="{B859C988-F6E9-2793-E2BE-1816751F3AED}"/>
               </a:ext>
             </a:extLst>
           </p:cNvPr>
@@ -1933,7 +1933,7 @@
           <p:cNvPr id="3" name="日期占位符 2">
             <a:extLst>
               <a:ext uri="{FF2B5EF4-FFF2-40B4-BE49-F238E27FC236}">
-                <a16:creationId xmlns:a16="http://schemas.microsoft.com/office/drawing/2014/main" id="{EC0FF252-3943-F14E-DCF9-DCAE6F87F164}"/>
+                <a16:creationId xmlns:a16="http://schemas.microsoft.com/office/drawing/2014/main" id="{DA4227CE-4455-EE62-5CD7-10C8CC54DCBF}"/>
               </a:ext>
             </a:extLst>
           </p:cNvPr>
@@ -1949,7 +1949,7 @@
           <a:bodyPr/>
           <a:lstStyle/>
           <a:p>
-            <a:fld id="{F9B8CB69-5CD6-4D0C-B9AA-2CA730D5CDD8}" type="datetimeFigureOut">
+            <a:fld id="{F8E3D561-8300-4E05-9783-D59E0DE806CC}" type="datetimeFigureOut">
               <a:rPr lang="zh-CN" altLang="en-US" smtClean="0"/>
               <a:t>2024/3/10</a:t>
             </a:fld>
@@ -1962,7 +1962,7 @@
           <p:cNvPr id="4" name="页脚占位符 3">
             <a:extLst>
               <a:ext uri="{FF2B5EF4-FFF2-40B4-BE49-F238E27FC236}">
-                <a16:creationId xmlns:a16="http://schemas.microsoft.com/office/drawing/2014/main" id="{2ED67D90-A5FF-F750-4604-6293D546B9A7}"/>
+                <a16:creationId xmlns:a16="http://schemas.microsoft.com/office/drawing/2014/main" id="{7760EA96-536A-459F-AA16-A3DBD3311A4C}"/>
               </a:ext>
             </a:extLst>
           </p:cNvPr>
@@ -1987,7 +1987,7 @@
           <p:cNvPr id="5" name="灯片编号占位符 4">
             <a:extLst>
               <a:ext uri="{FF2B5EF4-FFF2-40B4-BE49-F238E27FC236}">
-                <a16:creationId xmlns:a16="http://schemas.microsoft.com/office/drawing/2014/main" id="{8F84A074-F4B6-EB1D-A83C-6E25A94D6777}"/>
+                <a16:creationId xmlns:a16="http://schemas.microsoft.com/office/drawing/2014/main" id="{B0582DF6-D391-BD66-E072-709DF8705DE3}"/>
               </a:ext>
             </a:extLst>
           </p:cNvPr>
@@ -2003,7 +2003,7 @@
           <a:bodyPr/>
           <a:lstStyle/>
           <a:p>
-            <a:fld id="{8FB44F28-9A4E-4B5A-B94A-AAC6FBE7F153}" type="slidenum">
+            <a:fld id="{3019A5DA-EC15-4EEE-9AB5-0B3ADF1902DC}" type="slidenum">
               <a:rPr lang="zh-CN" altLang="en-US" smtClean="0"/>
               <a:t>‹#›</a:t>
             </a:fld>
@@ -2014,7 +2014,7 @@
     </p:spTree>
     <p:extLst>
       <p:ext uri="{BB962C8B-B14F-4D97-AF65-F5344CB8AC3E}">
-        <p14:creationId xmlns:p14="http://schemas.microsoft.com/office/powerpoint/2010/main" val="3273001740"/>
+        <p14:creationId xmlns:p14="http://schemas.microsoft.com/office/powerpoint/2010/main" val="2890511854"/>
       </p:ext>
     </p:extLst>
   </p:cSld>
@@ -2046,7 +2046,7 @@
           <p:cNvPr id="2" name="日期占位符 1">
             <a:extLst>
               <a:ext uri="{FF2B5EF4-FFF2-40B4-BE49-F238E27FC236}">
-                <a16:creationId xmlns:a16="http://schemas.microsoft.com/office/drawing/2014/main" id="{5DD02A97-E81A-1E99-4361-CBF6F1866E47}"/>
+                <a16:creationId xmlns:a16="http://schemas.microsoft.com/office/drawing/2014/main" id="{A64E34F8-2E6A-EC01-2F0E-2A4309701963}"/>
               </a:ext>
             </a:extLst>
           </p:cNvPr>
@@ -2062,7 +2062,7 @@
           <a:bodyPr/>
           <a:lstStyle/>
           <a:p>
-            <a:fld id="{F9B8CB69-5CD6-4D0C-B9AA-2CA730D5CDD8}" type="datetimeFigureOut">
+            <a:fld id="{F8E3D561-8300-4E05-9783-D59E0DE806CC}" type="datetimeFigureOut">
               <a:rPr lang="zh-CN" altLang="en-US" smtClean="0"/>
               <a:t>2024/3/10</a:t>
             </a:fld>
@@ -2075,7 +2075,7 @@
           <p:cNvPr id="3" name="页脚占位符 2">
             <a:extLst>
               <a:ext uri="{FF2B5EF4-FFF2-40B4-BE49-F238E27FC236}">
-                <a16:creationId xmlns:a16="http://schemas.microsoft.com/office/drawing/2014/main" id="{10A0E0CF-4CE6-A4ED-47E4-A591032075BA}"/>
+                <a16:creationId xmlns:a16="http://schemas.microsoft.com/office/drawing/2014/main" id="{79122651-309E-BF34-2DE5-38658FAED162}"/>
               </a:ext>
             </a:extLst>
           </p:cNvPr>
@@ -2100,7 +2100,7 @@
           <p:cNvPr id="4" name="灯片编号占位符 3">
             <a:extLst>
               <a:ext uri="{FF2B5EF4-FFF2-40B4-BE49-F238E27FC236}">
-                <a16:creationId xmlns:a16="http://schemas.microsoft.com/office/drawing/2014/main" id="{3D03141F-FDD1-934D-04EF-D9E73D867C9F}"/>
+                <a16:creationId xmlns:a16="http://schemas.microsoft.com/office/drawing/2014/main" id="{9694179F-50E3-B965-05F7-14F1EA5CC76A}"/>
               </a:ext>
             </a:extLst>
           </p:cNvPr>
@@ -2116,7 +2116,7 @@
           <a:bodyPr/>
           <a:lstStyle/>
           <a:p>
-            <a:fld id="{8FB44F28-9A4E-4B5A-B94A-AAC6FBE7F153}" type="slidenum">
+            <a:fld id="{3019A5DA-EC15-4EEE-9AB5-0B3ADF1902DC}" type="slidenum">
               <a:rPr lang="zh-CN" altLang="en-US" smtClean="0"/>
               <a:t>‹#›</a:t>
             </a:fld>
@@ -2127,7 +2127,7 @@
     </p:spTree>
     <p:extLst>
       <p:ext uri="{BB962C8B-B14F-4D97-AF65-F5344CB8AC3E}">
-        <p14:creationId xmlns:p14="http://schemas.microsoft.com/office/powerpoint/2010/main" val="220996156"/>
+        <p14:creationId xmlns:p14="http://schemas.microsoft.com/office/powerpoint/2010/main" val="1041978958"/>
       </p:ext>
     </p:extLst>
   </p:cSld>
@@ -2159,7 +2159,7 @@
           <p:cNvPr id="2" name="标题 1">
             <a:extLst>
               <a:ext uri="{FF2B5EF4-FFF2-40B4-BE49-F238E27FC236}">
-                <a16:creationId xmlns:a16="http://schemas.microsoft.com/office/drawing/2014/main" id="{A460E871-9D40-0805-641A-17F3CA0EC8F0}"/>
+                <a16:creationId xmlns:a16="http://schemas.microsoft.com/office/drawing/2014/main" id="{B47F92A9-61CF-BEE7-7BD7-494755E59262}"/>
               </a:ext>
             </a:extLst>
           </p:cNvPr>
@@ -2196,7 +2196,7 @@
           <p:cNvPr id="3" name="内容占位符 2">
             <a:extLst>
               <a:ext uri="{FF2B5EF4-FFF2-40B4-BE49-F238E27FC236}">
-                <a16:creationId xmlns:a16="http://schemas.microsoft.com/office/drawing/2014/main" id="{03A15408-673E-17AE-B27D-BE49B3D68634}"/>
+                <a16:creationId xmlns:a16="http://schemas.microsoft.com/office/drawing/2014/main" id="{7773253B-4813-A95A-0898-DD7F2A840769}"/>
               </a:ext>
             </a:extLst>
           </p:cNvPr>
@@ -2286,7 +2286,7 @@
           <p:cNvPr id="4" name="文本占位符 3">
             <a:extLst>
               <a:ext uri="{FF2B5EF4-FFF2-40B4-BE49-F238E27FC236}">
-                <a16:creationId xmlns:a16="http://schemas.microsoft.com/office/drawing/2014/main" id="{557342C9-5F6F-091B-072A-536423406B8A}"/>
+                <a16:creationId xmlns:a16="http://schemas.microsoft.com/office/drawing/2014/main" id="{94E41EBF-E9C6-627F-8492-6545BF23A0F1}"/>
               </a:ext>
             </a:extLst>
           </p:cNvPr>
@@ -2357,7 +2357,7 @@
           <p:cNvPr id="5" name="日期占位符 4">
             <a:extLst>
               <a:ext uri="{FF2B5EF4-FFF2-40B4-BE49-F238E27FC236}">
-                <a16:creationId xmlns:a16="http://schemas.microsoft.com/office/drawing/2014/main" id="{A5DFF54B-8745-1E0D-C247-85415404EBAF}"/>
+                <a16:creationId xmlns:a16="http://schemas.microsoft.com/office/drawing/2014/main" id="{ACE059F6-82F2-23DE-6DB0-3EB0E6C2FEFB}"/>
               </a:ext>
             </a:extLst>
           </p:cNvPr>
@@ -2373,7 +2373,7 @@
           <a:bodyPr/>
           <a:lstStyle/>
           <a:p>
-            <a:fld id="{F9B8CB69-5CD6-4D0C-B9AA-2CA730D5CDD8}" type="datetimeFigureOut">
+            <a:fld id="{F8E3D561-8300-4E05-9783-D59E0DE806CC}" type="datetimeFigureOut">
               <a:rPr lang="zh-CN" altLang="en-US" smtClean="0"/>
               <a:t>2024/3/10</a:t>
             </a:fld>
@@ -2386,7 +2386,7 @@
           <p:cNvPr id="6" name="页脚占位符 5">
             <a:extLst>
               <a:ext uri="{FF2B5EF4-FFF2-40B4-BE49-F238E27FC236}">
-                <a16:creationId xmlns:a16="http://schemas.microsoft.com/office/drawing/2014/main" id="{5570E0A3-93C5-428E-8500-C4EAAA264A13}"/>
+                <a16:creationId xmlns:a16="http://schemas.microsoft.com/office/drawing/2014/main" id="{0FE22891-5D02-5883-6EE7-8C54B2204C9F}"/>
               </a:ext>
             </a:extLst>
           </p:cNvPr>
@@ -2411,7 +2411,7 @@
           <p:cNvPr id="7" name="灯片编号占位符 6">
             <a:extLst>
               <a:ext uri="{FF2B5EF4-FFF2-40B4-BE49-F238E27FC236}">
-                <a16:creationId xmlns:a16="http://schemas.microsoft.com/office/drawing/2014/main" id="{59225872-7CD8-42B2-738C-EC419007199E}"/>
+                <a16:creationId xmlns:a16="http://schemas.microsoft.com/office/drawing/2014/main" id="{39E94960-62FE-BE90-E177-632E4587FF68}"/>
               </a:ext>
             </a:extLst>
           </p:cNvPr>
@@ -2427,7 +2427,7 @@
           <a:bodyPr/>
           <a:lstStyle/>
           <a:p>
-            <a:fld id="{8FB44F28-9A4E-4B5A-B94A-AAC6FBE7F153}" type="slidenum">
+            <a:fld id="{3019A5DA-EC15-4EEE-9AB5-0B3ADF1902DC}" type="slidenum">
               <a:rPr lang="zh-CN" altLang="en-US" smtClean="0"/>
               <a:t>‹#›</a:t>
             </a:fld>
@@ -2438,7 +2438,7 @@
     </p:spTree>
     <p:extLst>
       <p:ext uri="{BB962C8B-B14F-4D97-AF65-F5344CB8AC3E}">
-        <p14:creationId xmlns:p14="http://schemas.microsoft.com/office/powerpoint/2010/main" val="1071038224"/>
+        <p14:creationId xmlns:p14="http://schemas.microsoft.com/office/powerpoint/2010/main" val="4247069129"/>
       </p:ext>
     </p:extLst>
   </p:cSld>
@@ -2470,7 +2470,7 @@
           <p:cNvPr id="2" name="标题 1">
             <a:extLst>
               <a:ext uri="{FF2B5EF4-FFF2-40B4-BE49-F238E27FC236}">
-                <a16:creationId xmlns:a16="http://schemas.microsoft.com/office/drawing/2014/main" id="{9FF0E8AB-7604-3E58-B459-D92019ECA61B}"/>
+                <a16:creationId xmlns:a16="http://schemas.microsoft.com/office/drawing/2014/main" id="{0EF2D1A6-44A0-7439-2084-60CB526FEC9A}"/>
               </a:ext>
             </a:extLst>
           </p:cNvPr>
@@ -2507,7 +2507,7 @@
           <p:cNvPr id="3" name="图片占位符 2">
             <a:extLst>
               <a:ext uri="{FF2B5EF4-FFF2-40B4-BE49-F238E27FC236}">
-                <a16:creationId xmlns:a16="http://schemas.microsoft.com/office/drawing/2014/main" id="{9B0E4690-6DA2-7F01-4B4C-85614EF0BAC5}"/>
+                <a16:creationId xmlns:a16="http://schemas.microsoft.com/office/drawing/2014/main" id="{027628BB-8C4C-6140-E58D-F874C55C876C}"/>
               </a:ext>
             </a:extLst>
           </p:cNvPr>
@@ -2574,7 +2574,7 @@
           <p:cNvPr id="4" name="文本占位符 3">
             <a:extLst>
               <a:ext uri="{FF2B5EF4-FFF2-40B4-BE49-F238E27FC236}">
-                <a16:creationId xmlns:a16="http://schemas.microsoft.com/office/drawing/2014/main" id="{53E21D4D-D5F8-72BF-1FE3-11D327434E9A}"/>
+                <a16:creationId xmlns:a16="http://schemas.microsoft.com/office/drawing/2014/main" id="{B350752F-4F09-0D02-D006-3C16D4C1C455}"/>
               </a:ext>
             </a:extLst>
           </p:cNvPr>
@@ -2645,7 +2645,7 @@
           <p:cNvPr id="5" name="日期占位符 4">
             <a:extLst>
               <a:ext uri="{FF2B5EF4-FFF2-40B4-BE49-F238E27FC236}">
-                <a16:creationId xmlns:a16="http://schemas.microsoft.com/office/drawing/2014/main" id="{07907D5A-FD0C-4BE4-2DB1-FFDDD1386972}"/>
+                <a16:creationId xmlns:a16="http://schemas.microsoft.com/office/drawing/2014/main" id="{608ACF33-C974-1611-59CA-6BC5325A331C}"/>
               </a:ext>
             </a:extLst>
           </p:cNvPr>
@@ -2661,7 +2661,7 @@
           <a:bodyPr/>
           <a:lstStyle/>
           <a:p>
-            <a:fld id="{F9B8CB69-5CD6-4D0C-B9AA-2CA730D5CDD8}" type="datetimeFigureOut">
+            <a:fld id="{F8E3D561-8300-4E05-9783-D59E0DE806CC}" type="datetimeFigureOut">
               <a:rPr lang="zh-CN" altLang="en-US" smtClean="0"/>
               <a:t>2024/3/10</a:t>
             </a:fld>
@@ -2674,7 +2674,7 @@
           <p:cNvPr id="6" name="页脚占位符 5">
             <a:extLst>
               <a:ext uri="{FF2B5EF4-FFF2-40B4-BE49-F238E27FC236}">
-                <a16:creationId xmlns:a16="http://schemas.microsoft.com/office/drawing/2014/main" id="{D7D11183-8CAD-8E4E-D1DE-BB527BD32F9F}"/>
+                <a16:creationId xmlns:a16="http://schemas.microsoft.com/office/drawing/2014/main" id="{83A2F480-34FB-9439-8342-F2AD19BBA370}"/>
               </a:ext>
             </a:extLst>
           </p:cNvPr>
@@ -2699,7 +2699,7 @@
           <p:cNvPr id="7" name="灯片编号占位符 6">
             <a:extLst>
               <a:ext uri="{FF2B5EF4-FFF2-40B4-BE49-F238E27FC236}">
-                <a16:creationId xmlns:a16="http://schemas.microsoft.com/office/drawing/2014/main" id="{138E6F34-A3B7-AE94-0601-04AA27A9D6B3}"/>
+                <a16:creationId xmlns:a16="http://schemas.microsoft.com/office/drawing/2014/main" id="{C40ECAD3-39B9-BF66-AC80-9876BF52BE62}"/>
               </a:ext>
             </a:extLst>
           </p:cNvPr>
@@ -2715,7 +2715,7 @@
           <a:bodyPr/>
           <a:lstStyle/>
           <a:p>
-            <a:fld id="{8FB44F28-9A4E-4B5A-B94A-AAC6FBE7F153}" type="slidenum">
+            <a:fld id="{3019A5DA-EC15-4EEE-9AB5-0B3ADF1902DC}" type="slidenum">
               <a:rPr lang="zh-CN" altLang="en-US" smtClean="0"/>
               <a:t>‹#›</a:t>
             </a:fld>
@@ -2726,7 +2726,7 @@
     </p:spTree>
     <p:extLst>
       <p:ext uri="{BB962C8B-B14F-4D97-AF65-F5344CB8AC3E}">
-        <p14:creationId xmlns:p14="http://schemas.microsoft.com/office/powerpoint/2010/main" val="3225744198"/>
+        <p14:creationId xmlns:p14="http://schemas.microsoft.com/office/powerpoint/2010/main" val="3481421580"/>
       </p:ext>
     </p:extLst>
   </p:cSld>
@@ -2763,7 +2763,7 @@
           <p:cNvPr id="2" name="标题占位符 1">
             <a:extLst>
               <a:ext uri="{FF2B5EF4-FFF2-40B4-BE49-F238E27FC236}">
-                <a16:creationId xmlns:a16="http://schemas.microsoft.com/office/drawing/2014/main" id="{DE354311-A710-E51B-6052-3A9825553E1F}"/>
+                <a16:creationId xmlns:a16="http://schemas.microsoft.com/office/drawing/2014/main" id="{B9612ECC-CDF9-DF36-D3C0-B91939FBDCDF}"/>
               </a:ext>
             </a:extLst>
           </p:cNvPr>
@@ -2801,7 +2801,7 @@
           <p:cNvPr id="3" name="文本占位符 2">
             <a:extLst>
               <a:ext uri="{FF2B5EF4-FFF2-40B4-BE49-F238E27FC236}">
-                <a16:creationId xmlns:a16="http://schemas.microsoft.com/office/drawing/2014/main" id="{512FCD71-A348-7131-3FFF-B1755AFC0AB8}"/>
+                <a16:creationId xmlns:a16="http://schemas.microsoft.com/office/drawing/2014/main" id="{F4153C0D-C252-1E4D-2732-7C4635938D89}"/>
               </a:ext>
             </a:extLst>
           </p:cNvPr>
@@ -2868,7 +2868,7 @@
           <p:cNvPr id="4" name="日期占位符 3">
             <a:extLst>
               <a:ext uri="{FF2B5EF4-FFF2-40B4-BE49-F238E27FC236}">
-                <a16:creationId xmlns:a16="http://schemas.microsoft.com/office/drawing/2014/main" id="{7B0874CA-84C4-3B17-54BE-3B66FDAF81F4}"/>
+                <a16:creationId xmlns:a16="http://schemas.microsoft.com/office/drawing/2014/main" id="{71742EC0-61DD-BC9F-2B44-589BFF5AA171}"/>
               </a:ext>
             </a:extLst>
           </p:cNvPr>
@@ -2902,7 +2902,7 @@
             </a:lvl1pPr>
           </a:lstStyle>
           <a:p>
-            <a:fld id="{F9B8CB69-5CD6-4D0C-B9AA-2CA730D5CDD8}" type="datetimeFigureOut">
+            <a:fld id="{F8E3D561-8300-4E05-9783-D59E0DE806CC}" type="datetimeFigureOut">
               <a:rPr lang="zh-CN" altLang="en-US" smtClean="0"/>
               <a:t>2024/3/10</a:t>
             </a:fld>
@@ -2915,7 +2915,7 @@
           <p:cNvPr id="5" name="页脚占位符 4">
             <a:extLst>
               <a:ext uri="{FF2B5EF4-FFF2-40B4-BE49-F238E27FC236}">
-                <a16:creationId xmlns:a16="http://schemas.microsoft.com/office/drawing/2014/main" id="{53BC83C0-B5D4-8683-19D2-874EE0135D86}"/>
+                <a16:creationId xmlns:a16="http://schemas.microsoft.com/office/drawing/2014/main" id="{E1DA96A6-56B4-06B3-E5F0-40C3CDD70583}"/>
               </a:ext>
             </a:extLst>
           </p:cNvPr>
@@ -2958,7 +2958,7 @@
           <p:cNvPr id="6" name="灯片编号占位符 5">
             <a:extLst>
               <a:ext uri="{FF2B5EF4-FFF2-40B4-BE49-F238E27FC236}">
-                <a16:creationId xmlns:a16="http://schemas.microsoft.com/office/drawing/2014/main" id="{F31BAB6E-5D09-1CC2-4F57-BF16B2B0EF2C}"/>
+                <a16:creationId xmlns:a16="http://schemas.microsoft.com/office/drawing/2014/main" id="{128B2CA5-35EF-7538-6C95-301B358CF99C}"/>
               </a:ext>
             </a:extLst>
           </p:cNvPr>
@@ -2992,7 +2992,7 @@
             </a:lvl1pPr>
           </a:lstStyle>
           <a:p>
-            <a:fld id="{8FB44F28-9A4E-4B5A-B94A-AAC6FBE7F153}" type="slidenum">
+            <a:fld id="{3019A5DA-EC15-4EEE-9AB5-0B3ADF1902DC}" type="slidenum">
               <a:rPr lang="zh-CN" altLang="en-US" smtClean="0"/>
               <a:t>‹#›</a:t>
             </a:fld>
@@ -3003,7 +3003,7 @@
     </p:spTree>
     <p:extLst>
       <p:ext uri="{BB962C8B-B14F-4D97-AF65-F5344CB8AC3E}">
-        <p14:creationId xmlns:p14="http://schemas.microsoft.com/office/powerpoint/2010/main" val="1633480359"/>
+        <p14:creationId xmlns:p14="http://schemas.microsoft.com/office/powerpoint/2010/main" val="1528461160"/>
       </p:ext>
     </p:extLst>
   </p:cSld>
